--- a/prezentáció.pptx
+++ b/prezentáció.pptx
@@ -540,7 +540,7 @@
             <a:fld id="{B61BEF0D-F0BB-DE4B-95CE-6DB70DBA9567}" type="datetimeFigureOut">
               <a:rPr lang="en-US" dirty="0"/>
               <a:pPr/>
-              <a:t>2/18/2025</a:t>
+              <a:t>2/19/2025</a:t>
             </a:fld>
             <a:endParaRPr lang="en-US" dirty="0"/>
           </a:p>
@@ -973,7 +973,7 @@
             <a:fld id="{B61BEF0D-F0BB-DE4B-95CE-6DB70DBA9567}" type="datetimeFigureOut">
               <a:rPr lang="en-US" dirty="0"/>
               <a:pPr/>
-              <a:t>2/18/2025</a:t>
+              <a:t>2/19/2025</a:t>
             </a:fld>
             <a:endParaRPr lang="en-US" dirty="0"/>
           </a:p>
@@ -1220,7 +1220,7 @@
             <a:fld id="{B61BEF0D-F0BB-DE4B-95CE-6DB70DBA9567}" type="datetimeFigureOut">
               <a:rPr lang="en-US" dirty="0"/>
               <a:pPr/>
-              <a:t>2/18/2025</a:t>
+              <a:t>2/19/2025</a:t>
             </a:fld>
             <a:endParaRPr lang="en-US" dirty="0"/>
           </a:p>
@@ -1525,7 +1525,7 @@
             <a:fld id="{B61BEF0D-F0BB-DE4B-95CE-6DB70DBA9567}" type="datetimeFigureOut">
               <a:rPr lang="en-US" dirty="0"/>
               <a:pPr/>
-              <a:t>2/18/2025</a:t>
+              <a:t>2/19/2025</a:t>
             </a:fld>
             <a:endParaRPr lang="en-US" dirty="0"/>
           </a:p>
@@ -1840,7 +1840,7 @@
             <a:fld id="{B61BEF0D-F0BB-DE4B-95CE-6DB70DBA9567}" type="datetimeFigureOut">
               <a:rPr lang="en-US" dirty="0"/>
               <a:pPr/>
-              <a:t>2/18/2025</a:t>
+              <a:t>2/19/2025</a:t>
             </a:fld>
             <a:endParaRPr lang="en-US" dirty="0"/>
           </a:p>
@@ -2139,7 +2139,7 @@
             <a:fld id="{B61BEF0D-F0BB-DE4B-95CE-6DB70DBA9567}" type="datetimeFigureOut">
               <a:rPr lang="en-US" dirty="0"/>
               <a:pPr/>
-              <a:t>2/18/2025</a:t>
+              <a:t>2/19/2025</a:t>
             </a:fld>
             <a:endParaRPr lang="en-US" dirty="0"/>
           </a:p>
@@ -2503,7 +2503,7 @@
             <a:fld id="{B61BEF0D-F0BB-DE4B-95CE-6DB70DBA9567}" type="datetimeFigureOut">
               <a:rPr lang="en-US" dirty="0"/>
               <a:pPr/>
-              <a:t>2/18/2025</a:t>
+              <a:t>2/19/2025</a:t>
             </a:fld>
             <a:endParaRPr lang="en-US" dirty="0"/>
           </a:p>
@@ -2674,7 +2674,7 @@
             <a:fld id="{B61BEF0D-F0BB-DE4B-95CE-6DB70DBA9567}" type="datetimeFigureOut">
               <a:rPr lang="en-US" dirty="0"/>
               <a:pPr/>
-              <a:t>2/18/2025</a:t>
+              <a:t>2/19/2025</a:t>
             </a:fld>
             <a:endParaRPr lang="en-US" dirty="0"/>
           </a:p>
@@ -2851,7 +2851,7 @@
             <a:fld id="{B61BEF0D-F0BB-DE4B-95CE-6DB70DBA9567}" type="datetimeFigureOut">
               <a:rPr lang="en-US" dirty="0"/>
               <a:pPr/>
-              <a:t>2/18/2025</a:t>
+              <a:t>2/19/2025</a:t>
             </a:fld>
             <a:endParaRPr lang="en-US" dirty="0"/>
           </a:p>
@@ -3018,7 +3018,7 @@
             <a:fld id="{B61BEF0D-F0BB-DE4B-95CE-6DB70DBA9567}" type="datetimeFigureOut">
               <a:rPr lang="en-US" dirty="0"/>
               <a:pPr/>
-              <a:t>2/18/2025</a:t>
+              <a:t>2/19/2025</a:t>
             </a:fld>
             <a:endParaRPr lang="en-US" dirty="0"/>
           </a:p>
@@ -3265,7 +3265,7 @@
             <a:fld id="{B61BEF0D-F0BB-DE4B-95CE-6DB70DBA9567}" type="datetimeFigureOut">
               <a:rPr lang="en-US" dirty="0"/>
               <a:pPr/>
-              <a:t>2/18/2025</a:t>
+              <a:t>2/19/2025</a:t>
             </a:fld>
             <a:endParaRPr lang="en-US" dirty="0"/>
           </a:p>
@@ -3498,7 +3498,7 @@
             <a:fld id="{B61BEF0D-F0BB-DE4B-95CE-6DB70DBA9567}" type="datetimeFigureOut">
               <a:rPr lang="en-US" dirty="0"/>
               <a:pPr/>
-              <a:t>2/18/2025</a:t>
+              <a:t>2/19/2025</a:t>
             </a:fld>
             <a:endParaRPr lang="en-US" dirty="0"/>
           </a:p>
@@ -3877,7 +3877,7 @@
             <a:fld id="{B61BEF0D-F0BB-DE4B-95CE-6DB70DBA9567}" type="datetimeFigureOut">
               <a:rPr lang="en-US" dirty="0"/>
               <a:pPr/>
-              <a:t>2/18/2025</a:t>
+              <a:t>2/19/2025</a:t>
             </a:fld>
             <a:endParaRPr lang="en-US" dirty="0"/>
           </a:p>
@@ -3992,7 +3992,7 @@
             <a:fld id="{B61BEF0D-F0BB-DE4B-95CE-6DB70DBA9567}" type="datetimeFigureOut">
               <a:rPr lang="en-US" dirty="0"/>
               <a:pPr/>
-              <a:t>2/18/2025</a:t>
+              <a:t>2/19/2025</a:t>
             </a:fld>
             <a:endParaRPr lang="en-US" dirty="0"/>
           </a:p>
@@ -4084,7 +4084,7 @@
             <a:fld id="{B61BEF0D-F0BB-DE4B-95CE-6DB70DBA9567}" type="datetimeFigureOut">
               <a:rPr lang="en-US" dirty="0"/>
               <a:pPr/>
-              <a:t>2/18/2025</a:t>
+              <a:t>2/19/2025</a:t>
             </a:fld>
             <a:endParaRPr lang="en-US" dirty="0"/>
           </a:p>
@@ -4336,7 +4336,7 @@
             <a:fld id="{B61BEF0D-F0BB-DE4B-95CE-6DB70DBA9567}" type="datetimeFigureOut">
               <a:rPr lang="en-US" dirty="0"/>
               <a:pPr/>
-              <a:t>2/18/2025</a:t>
+              <a:t>2/19/2025</a:t>
             </a:fld>
             <a:endParaRPr lang="en-US" dirty="0"/>
           </a:p>
@@ -4616,7 +4616,7 @@
             <a:fld id="{B61BEF0D-F0BB-DE4B-95CE-6DB70DBA9567}" type="datetimeFigureOut">
               <a:rPr lang="en-US" dirty="0"/>
               <a:pPr/>
-              <a:t>2/18/2025</a:t>
+              <a:t>2/19/2025</a:t>
             </a:fld>
             <a:endParaRPr lang="en-US" dirty="0"/>
           </a:p>
@@ -5019,7 +5019,7 @@
             <a:fld id="{B61BEF0D-F0BB-DE4B-95CE-6DB70DBA9567}" type="datetimeFigureOut">
               <a:rPr lang="en-US" dirty="0"/>
               <a:pPr/>
-              <a:t>2/18/2025</a:t>
+              <a:t>2/19/2025</a:t>
             </a:fld>
             <a:endParaRPr lang="en-US" dirty="0"/>
           </a:p>
@@ -5573,7 +5573,7 @@
           <a:p>
             <a:r>
               <a:rPr lang="hu-HU" dirty="0"/>
-              <a:t>Tankos játék</a:t>
+              <a:t>Tankos játék (tankok nélkül)</a:t>
             </a:r>
           </a:p>
         </p:txBody>
@@ -5621,8 +5621,8 @@
   <p:clrMapOvr>
     <a:masterClrMapping/>
   </p:clrMapOvr>
-  <mc:AlternateContent xmlns:mc="http://schemas.openxmlformats.org/markup-compatibility/2006">
-    <mc:Choice xmlns:p14="http://schemas.microsoft.com/office/powerpoint/2010/main" Requires="p14">
+  <mc:AlternateContent xmlns:mc="http://schemas.openxmlformats.org/markup-compatibility/2006" xmlns:p14="http://schemas.microsoft.com/office/powerpoint/2010/main">
+    <mc:Choice Requires="p14">
       <p:transition spd="slow" p14:dur="4000">
         <p14:vortex dir="r"/>
         <p:sndAc>
@@ -5632,12 +5632,12 @@
         </p:sndAc>
       </p:transition>
     </mc:Choice>
-    <mc:Fallback>
+    <mc:Fallback xmlns="">
       <p:transition spd="slow">
         <p:fade/>
         <p:sndAc>
           <p:stSnd>
-            <p:snd r:embed="rId2" name="chimes.wav"/>
+            <p:snd r:embed="rId3" name="chimes.wav"/>
           </p:stSnd>
         </p:sndAc>
       </p:transition>
@@ -6366,8 +6366,8 @@
   <p:clrMapOvr>
     <a:masterClrMapping/>
   </p:clrMapOvr>
-  <mc:AlternateContent xmlns:mc="http://schemas.openxmlformats.org/markup-compatibility/2006">
-    <mc:Choice xmlns:p14="http://schemas.microsoft.com/office/powerpoint/2010/main" Requires="p14">
+  <mc:AlternateContent xmlns:mc="http://schemas.openxmlformats.org/markup-compatibility/2006" xmlns:p14="http://schemas.microsoft.com/office/powerpoint/2010/main">
+    <mc:Choice Requires="p14">
       <p:transition spd="slow" p14:dur="4000">
         <p14:vortex dir="r"/>
         <p:sndAc>
@@ -6377,12 +6377,12 @@
         </p:sndAc>
       </p:transition>
     </mc:Choice>
-    <mc:Fallback>
+    <mc:Fallback xmlns="">
       <p:transition spd="slow">
         <p:fade/>
         <p:sndAc>
           <p:stSnd>
-            <p:snd r:embed="rId2" name="chimes.wav"/>
+            <p:snd r:embed="rId6" name="chimes.wav"/>
           </p:stSnd>
         </p:sndAc>
       </p:transition>
@@ -7106,8 +7106,8 @@
   <p:clrMapOvr>
     <a:masterClrMapping/>
   </p:clrMapOvr>
-  <mc:AlternateContent xmlns:mc="http://schemas.openxmlformats.org/markup-compatibility/2006">
-    <mc:Choice xmlns:p14="http://schemas.microsoft.com/office/powerpoint/2010/main" Requires="p14">
+  <mc:AlternateContent xmlns:mc="http://schemas.openxmlformats.org/markup-compatibility/2006" xmlns:p14="http://schemas.microsoft.com/office/powerpoint/2010/main">
+    <mc:Choice Requires="p14">
       <p:transition spd="slow" p14:dur="4000">
         <p14:vortex dir="r"/>
         <p:sndAc>
@@ -7117,12 +7117,12 @@
         </p:sndAc>
       </p:transition>
     </mc:Choice>
-    <mc:Fallback>
+    <mc:Fallback xmlns="">
       <p:transition spd="slow">
         <p:fade/>
         <p:sndAc>
           <p:stSnd>
-            <p:snd r:embed="rId2" name="chimes.wav"/>
+            <p:snd r:embed="rId6" name="chimes.wav"/>
           </p:stSnd>
         </p:sndAc>
       </p:transition>
@@ -7285,8 +7285,8 @@
   <p:clrMapOvr>
     <a:masterClrMapping/>
   </p:clrMapOvr>
-  <mc:AlternateContent xmlns:mc="http://schemas.openxmlformats.org/markup-compatibility/2006">
-    <mc:Choice xmlns:p14="http://schemas.microsoft.com/office/powerpoint/2010/main" Requires="p14">
+  <mc:AlternateContent xmlns:mc="http://schemas.openxmlformats.org/markup-compatibility/2006" xmlns:p14="http://schemas.microsoft.com/office/powerpoint/2010/main">
+    <mc:Choice Requires="p14">
       <p:transition spd="slow" p14:dur="4000">
         <p14:vortex dir="r"/>
         <p:sndAc>
@@ -7296,12 +7296,12 @@
         </p:sndAc>
       </p:transition>
     </mc:Choice>
-    <mc:Fallback>
+    <mc:Fallback xmlns="">
       <p:transition spd="slow">
         <p:fade/>
         <p:sndAc>
           <p:stSnd>
-            <p:snd r:embed="rId2" name="chimes.wav"/>
+            <p:snd r:embed="rId3" name="chimes.wav"/>
           </p:stSnd>
         </p:sndAc>
       </p:transition>
@@ -7365,8 +7365,8 @@
   <p:clrMapOvr>
     <a:masterClrMapping/>
   </p:clrMapOvr>
-  <mc:AlternateContent xmlns:mc="http://schemas.openxmlformats.org/markup-compatibility/2006">
-    <mc:Choice xmlns:p14="http://schemas.microsoft.com/office/powerpoint/2010/main" Requires="p14">
+  <mc:AlternateContent xmlns:mc="http://schemas.openxmlformats.org/markup-compatibility/2006" xmlns:p14="http://schemas.microsoft.com/office/powerpoint/2010/main">
+    <mc:Choice Requires="p14">
       <p:transition spd="slow" p14:dur="4000">
         <p14:vortex dir="r"/>
         <p:sndAc>
@@ -7376,12 +7376,12 @@
         </p:sndAc>
       </p:transition>
     </mc:Choice>
-    <mc:Fallback>
+    <mc:Fallback xmlns="">
       <p:transition spd="slow">
         <p:fade/>
         <p:sndAc>
           <p:stSnd>
-            <p:snd r:embed="rId2" name="chimes.wav"/>
+            <p:snd r:embed="rId3" name="chimes.wav"/>
           </p:stSnd>
         </p:sndAc>
       </p:transition>
